--- a/assets/images/diagram.pptx
+++ b/assets/images/diagram.pptx
@@ -3396,7 +3396,7 @@
         </p:nvSpPr>
         <p:spPr>
           <a:xfrm>
-            <a:off x="385683" y="1726771"/>
+            <a:off x="373592" y="2177403"/>
             <a:ext cx="3300947" cy="369332"/>
           </a:xfrm>
           <a:prstGeom prst="rect">
@@ -3438,7 +3438,7 @@
         </p:nvSpPr>
         <p:spPr>
           <a:xfrm>
-            <a:off x="385683" y="2159780"/>
+            <a:off x="373592" y="2610412"/>
             <a:ext cx="3300947" cy="369332"/>
           </a:xfrm>
           <a:prstGeom prst="rect">
@@ -3480,7 +3480,7 @@
         </p:nvSpPr>
         <p:spPr>
           <a:xfrm>
-            <a:off x="385683" y="2592789"/>
+            <a:off x="373592" y="3043421"/>
             <a:ext cx="3300947" cy="369332"/>
           </a:xfrm>
           <a:prstGeom prst="rect">
@@ -3522,7 +3522,7 @@
         </p:nvSpPr>
         <p:spPr>
           <a:xfrm>
-            <a:off x="385682" y="3025798"/>
+            <a:off x="373591" y="3476430"/>
             <a:ext cx="3300947" cy="369332"/>
           </a:xfrm>
           <a:prstGeom prst="rect">
@@ -3564,8 +3564,8 @@
         </p:nvSpPr>
         <p:spPr>
           <a:xfrm>
-            <a:off x="253317" y="1276827"/>
-            <a:ext cx="3565676" cy="2660953"/>
+            <a:off x="253317" y="1107925"/>
+            <a:ext cx="3565676" cy="3347962"/>
           </a:xfrm>
           <a:prstGeom prst="rect">
             <a:avLst/>
@@ -3631,7 +3631,7 @@
         </p:nvSpPr>
         <p:spPr>
           <a:xfrm>
-            <a:off x="385682" y="3487409"/>
+            <a:off x="373591" y="3933203"/>
             <a:ext cx="3300947" cy="369332"/>
           </a:xfrm>
           <a:prstGeom prst="rect">
@@ -3856,7 +3856,7 @@
         </p:nvSpPr>
         <p:spPr>
           <a:xfrm>
-            <a:off x="2865231" y="4188922"/>
+            <a:off x="2812070" y="4302824"/>
             <a:ext cx="2554674" cy="954107"/>
           </a:xfrm>
           <a:prstGeom prst="rect">
@@ -4081,6 +4081,48 @@
                 <a:srgbClr val="FF0000"/>
               </a:solidFill>
             </a:endParaRPr>
+          </a:p>
+        </p:txBody>
+      </p:sp>
+      <p:sp>
+        <p:nvSpPr>
+          <p:cNvPr id="2" name="TextBox 1">
+            <a:extLst>
+              <a:ext uri="{FF2B5EF4-FFF2-40B4-BE49-F238E27FC236}">
+                <a16:creationId xmlns:a16="http://schemas.microsoft.com/office/drawing/2014/main" id="{23EB9848-8231-015F-E9CA-55BD6A12B258}"/>
+              </a:ext>
+            </a:extLst>
+          </p:cNvPr>
+          <p:cNvSpPr txBox="1"/>
+          <p:nvPr/>
+        </p:nvSpPr>
+        <p:spPr>
+          <a:xfrm>
+            <a:off x="385681" y="1475043"/>
+            <a:ext cx="3300947" cy="646331"/>
+          </a:xfrm>
+          <a:prstGeom prst="rect">
+            <a:avLst/>
+          </a:prstGeom>
+          <a:noFill/>
+          <a:ln>
+            <a:solidFill>
+              <a:schemeClr val="tx1"/>
+            </a:solidFill>
+          </a:ln>
+        </p:spPr>
+        <p:txBody>
+          <a:bodyPr wrap="square" rtlCol="0">
+            <a:spAutoFit/>
+          </a:bodyPr>
+          <a:lstStyle/>
+          <a:p>
+            <a:pPr algn="ctr"/>
+            <a:r>
+              <a:rPr lang="en-US" dirty="0"/>
+              <a:t>Digital Atlas of Australia API/Data</a:t>
+            </a:r>
+            <a:endParaRPr lang="en-AU" dirty="0"/>
           </a:p>
         </p:txBody>
       </p:sp>
